--- a/pdf/portfolio_메인페이지.pptx
+++ b/pdf/portfolio_메인페이지.pptx
@@ -1630,7 +1630,7 @@
           </a:ln>
           <a:extLst>
             <a:ext uri="{C572A759-6A51-4108-AA02-DFA0A04FC94B}">
-              <ma14:wrappingTextBoxFlag xmlns:ma14="http://schemas.microsoft.com/office/mac/drawingml/2011/main" xmlns:a14="http://schemas.microsoft.com/office/drawing/2010/main" xmlns:m="http://schemas.openxmlformats.org/officeDocument/2006/math" xmlns="" val="1"/>
+              <ma14:wrappingTextBoxFlag xmlns="" xmlns:m="http://schemas.openxmlformats.org/officeDocument/2006/math" xmlns:a14="http://schemas.microsoft.com/office/drawing/2010/main" xmlns:ma14="http://schemas.microsoft.com/office/mac/drawingml/2011/main" val="1"/>
             </a:ext>
           </a:extLst>
         </p:spPr>
@@ -1669,7 +1669,7 @@
           </a:ln>
           <a:extLst>
             <a:ext uri="{C572A759-6A51-4108-AA02-DFA0A04FC94B}">
-              <ma14:wrappingTextBoxFlag xmlns:ma14="http://schemas.microsoft.com/office/mac/drawingml/2011/main" xmlns:a14="http://schemas.microsoft.com/office/drawing/2010/main" xmlns:m="http://schemas.openxmlformats.org/officeDocument/2006/math" xmlns="" val="1"/>
+              <ma14:wrappingTextBoxFlag xmlns="" xmlns:m="http://schemas.openxmlformats.org/officeDocument/2006/math" xmlns:a14="http://schemas.microsoft.com/office/drawing/2010/main" xmlns:ma14="http://schemas.microsoft.com/office/mac/drawingml/2011/main" val="1"/>
             </a:ext>
           </a:extLst>
         </p:spPr>
@@ -3008,17 +3008,6 @@
               </a:rPr>
               <a:t>.</a:t>
             </a:r>
-            <a:endParaRPr kumimoji="0" lang="en-US" altLang="ko-KR" sz="1000" b="0" i="0" u="none" strike="noStrike" cap="none" spc="0" normalizeH="0" dirty="0" smtClean="0">
-              <a:ln>
-                <a:noFill/>
-              </a:ln>
-              <a:solidFill>
-                <a:srgbClr val="000000"/>
-              </a:solidFill>
-              <a:effectLst/>
-              <a:uFillTx/>
-              <a:sym typeface="맑은 고딕"/>
-            </a:endParaRPr>
           </a:p>
         </p:txBody>
       </p:sp>
@@ -3927,17 +3916,6 @@
               </a:rPr>
               <a:t>.</a:t>
             </a:r>
-            <a:endParaRPr kumimoji="0" lang="en-US" altLang="ko-KR" sz="1000" b="0" i="0" u="none" strike="noStrike" cap="none" spc="0" normalizeH="0" dirty="0" smtClean="0">
-              <a:ln>
-                <a:noFill/>
-              </a:ln>
-              <a:solidFill>
-                <a:srgbClr val="000000"/>
-              </a:solidFill>
-              <a:effectLst/>
-              <a:uFillTx/>
-              <a:sym typeface="맑은 고딕"/>
-            </a:endParaRPr>
           </a:p>
         </p:txBody>
       </p:sp>
@@ -4230,17 +4208,6 @@
               </a:rPr>
               <a:t>.</a:t>
             </a:r>
-            <a:endParaRPr kumimoji="0" lang="en-US" altLang="ko-KR" sz="1000" b="0" i="0" u="none" strike="noStrike" cap="none" spc="0" normalizeH="0" dirty="0" smtClean="0">
-              <a:ln>
-                <a:noFill/>
-              </a:ln>
-              <a:solidFill>
-                <a:srgbClr val="000000"/>
-              </a:solidFill>
-              <a:effectLst/>
-              <a:uFillTx/>
-              <a:sym typeface="맑은 고딕"/>
-            </a:endParaRPr>
           </a:p>
         </p:txBody>
       </p:sp>
@@ -4484,17 +4451,6 @@
               </a:rPr>
               <a:t>.</a:t>
             </a:r>
-            <a:endParaRPr kumimoji="0" lang="en-US" altLang="ko-KR" sz="1000" b="0" i="0" u="none" strike="noStrike" cap="none" spc="0" normalizeH="0" dirty="0" smtClean="0">
-              <a:ln>
-                <a:noFill/>
-              </a:ln>
-              <a:solidFill>
-                <a:srgbClr val="000000"/>
-              </a:solidFill>
-              <a:effectLst/>
-              <a:uFillTx/>
-              <a:sym typeface="맑은 고딕"/>
-            </a:endParaRPr>
           </a:p>
         </p:txBody>
       </p:sp>
@@ -4536,6 +4492,36 @@
           <a:chExt cx="0" cy="0"/>
         </a:xfrm>
       </p:grpSpPr>
+      <p:pic>
+        <p:nvPicPr>
+          <p:cNvPr id="2" name="그림 1"/>
+          <p:cNvPicPr>
+            <a:picLocks noChangeAspect="1"/>
+          </p:cNvPicPr>
+          <p:nvPr/>
+        </p:nvPicPr>
+        <p:blipFill>
+          <a:blip r:embed="rId2">
+            <a:extLst>
+              <a:ext uri="{28A0092B-C50C-407E-A947-70E740481C1C}">
+                <a14:useLocalDpi xmlns:a14="http://schemas.microsoft.com/office/drawing/2010/main" val="0"/>
+              </a:ext>
+            </a:extLst>
+          </a:blip>
+          <a:stretch>
+            <a:fillRect/>
+          </a:stretch>
+        </p:blipFill>
+        <p:spPr>
+          <a:xfrm>
+            <a:off x="7132602" y="1839220"/>
+            <a:ext cx="4019396" cy="3558618"/>
+          </a:xfrm>
+          <a:prstGeom prst="rect">
+            <a:avLst/>
+          </a:prstGeom>
+        </p:spPr>
+      </p:pic>
       <p:sp>
         <p:nvSpPr>
           <p:cNvPr id="4" name="제목 1"/>
@@ -4572,36 +4558,6 @@
           </a:p>
         </p:txBody>
       </p:sp>
-      <p:pic>
-        <p:nvPicPr>
-          <p:cNvPr id="3" name="그림 2"/>
-          <p:cNvPicPr>
-            <a:picLocks noChangeAspect="1"/>
-          </p:cNvPicPr>
-          <p:nvPr/>
-        </p:nvPicPr>
-        <p:blipFill>
-          <a:blip r:embed="rId2">
-            <a:extLst>
-              <a:ext uri="{28A0092B-C50C-407E-A947-70E740481C1C}">
-                <a14:useLocalDpi xmlns:a14="http://schemas.microsoft.com/office/drawing/2010/main" val="0"/>
-              </a:ext>
-            </a:extLst>
-          </a:blip>
-          <a:stretch>
-            <a:fillRect/>
-          </a:stretch>
-        </p:blipFill>
-        <p:spPr>
-          <a:xfrm>
-            <a:off x="7145843" y="1811404"/>
-            <a:ext cx="4050332" cy="3643117"/>
-          </a:xfrm>
-          <a:prstGeom prst="rect">
-            <a:avLst/>
-          </a:prstGeom>
-        </p:spPr>
-      </p:pic>
       <p:sp>
         <p:nvSpPr>
           <p:cNvPr id="15" name="TextBox 14"/>
